--- a/dataset/PPT Pelatihan Visualisasi Data.pptx
+++ b/dataset/PPT Pelatihan Visualisasi Data.pptx
@@ -285,7 +285,7 @@
           <a:p>
             <a:fld id="{BE92F6E7-F729-4374-97AF-6621FCBEC648}" type="datetimeFigureOut">
               <a:rPr lang="en-ID" smtClean="0"/>
-              <a:t>28/03/2024</a:t>
+              <a:t>22/04/2024</a:t>
             </a:fld>
             <a:endParaRPr lang="en-ID"/>
           </a:p>
@@ -485,7 +485,7 @@
           <a:p>
             <a:fld id="{BE92F6E7-F729-4374-97AF-6621FCBEC648}" type="datetimeFigureOut">
               <a:rPr lang="en-ID" smtClean="0"/>
-              <a:t>28/03/2024</a:t>
+              <a:t>22/04/2024</a:t>
             </a:fld>
             <a:endParaRPr lang="en-ID"/>
           </a:p>
@@ -695,7 +695,7 @@
           <a:p>
             <a:fld id="{BE92F6E7-F729-4374-97AF-6621FCBEC648}" type="datetimeFigureOut">
               <a:rPr lang="en-ID" smtClean="0"/>
-              <a:t>28/03/2024</a:t>
+              <a:t>22/04/2024</a:t>
             </a:fld>
             <a:endParaRPr lang="en-ID"/>
           </a:p>
@@ -895,7 +895,7 @@
           <a:p>
             <a:fld id="{BE92F6E7-F729-4374-97AF-6621FCBEC648}" type="datetimeFigureOut">
               <a:rPr lang="en-ID" smtClean="0"/>
-              <a:t>28/03/2024</a:t>
+              <a:t>22/04/2024</a:t>
             </a:fld>
             <a:endParaRPr lang="en-ID"/>
           </a:p>
@@ -1171,7 +1171,7 @@
           <a:p>
             <a:fld id="{BE92F6E7-F729-4374-97AF-6621FCBEC648}" type="datetimeFigureOut">
               <a:rPr lang="en-ID" smtClean="0"/>
-              <a:t>28/03/2024</a:t>
+              <a:t>22/04/2024</a:t>
             </a:fld>
             <a:endParaRPr lang="en-ID"/>
           </a:p>
@@ -1439,7 +1439,7 @@
           <a:p>
             <a:fld id="{BE92F6E7-F729-4374-97AF-6621FCBEC648}" type="datetimeFigureOut">
               <a:rPr lang="en-ID" smtClean="0"/>
-              <a:t>28/03/2024</a:t>
+              <a:t>22/04/2024</a:t>
             </a:fld>
             <a:endParaRPr lang="en-ID"/>
           </a:p>
@@ -1854,7 +1854,7 @@
           <a:p>
             <a:fld id="{BE92F6E7-F729-4374-97AF-6621FCBEC648}" type="datetimeFigureOut">
               <a:rPr lang="en-ID" smtClean="0"/>
-              <a:t>28/03/2024</a:t>
+              <a:t>22/04/2024</a:t>
             </a:fld>
             <a:endParaRPr lang="en-ID"/>
           </a:p>
@@ -1996,7 +1996,7 @@
           <a:p>
             <a:fld id="{BE92F6E7-F729-4374-97AF-6621FCBEC648}" type="datetimeFigureOut">
               <a:rPr lang="en-ID" smtClean="0"/>
-              <a:t>28/03/2024</a:t>
+              <a:t>22/04/2024</a:t>
             </a:fld>
             <a:endParaRPr lang="en-ID"/>
           </a:p>
@@ -2109,7 +2109,7 @@
           <a:p>
             <a:fld id="{BE92F6E7-F729-4374-97AF-6621FCBEC648}" type="datetimeFigureOut">
               <a:rPr lang="en-ID" smtClean="0"/>
-              <a:t>28/03/2024</a:t>
+              <a:t>22/04/2024</a:t>
             </a:fld>
             <a:endParaRPr lang="en-ID"/>
           </a:p>
@@ -2422,7 +2422,7 @@
           <a:p>
             <a:fld id="{BE92F6E7-F729-4374-97AF-6621FCBEC648}" type="datetimeFigureOut">
               <a:rPr lang="en-ID" smtClean="0"/>
-              <a:t>28/03/2024</a:t>
+              <a:t>22/04/2024</a:t>
             </a:fld>
             <a:endParaRPr lang="en-ID"/>
           </a:p>
@@ -2711,7 +2711,7 @@
           <a:p>
             <a:fld id="{BE92F6E7-F729-4374-97AF-6621FCBEC648}" type="datetimeFigureOut">
               <a:rPr lang="en-ID" smtClean="0"/>
-              <a:t>28/03/2024</a:t>
+              <a:t>22/04/2024</a:t>
             </a:fld>
             <a:endParaRPr lang="en-ID"/>
           </a:p>
@@ -2954,7 +2954,7 @@
           <a:p>
             <a:fld id="{BE92F6E7-F729-4374-97AF-6621FCBEC648}" type="datetimeFigureOut">
               <a:rPr lang="en-ID" smtClean="0"/>
-              <a:t>28/03/2024</a:t>
+              <a:t>22/04/2024</a:t>
             </a:fld>
             <a:endParaRPr lang="en-ID"/>
           </a:p>
@@ -11382,8 +11382,16 @@
               <a:buNone/>
             </a:pPr>
             <a:r>
-              <a:rPr lang="en-US" sz="2200"/>
-              <a:t>Pustaka manipulasi data</a:t>
+              <a:rPr lang="en-US" sz="2200" dirty="0"/>
+              <a:t>Pustaka </a:t>
+            </a:r>
+            <a:r>
+              <a:rPr lang="en-US" sz="2200" dirty="0" err="1"/>
+              <a:t>manipulasi</a:t>
+            </a:r>
+            <a:r>
+              <a:rPr lang="en-US" sz="2200" dirty="0"/>
+              <a:t> data</a:t>
             </a:r>
           </a:p>
           <a:p>
@@ -11391,33 +11399,37 @@
               <a:buAutoNum type="arabicPeriod"/>
             </a:pPr>
             <a:r>
-              <a:rPr lang="en-US" sz="2200"/>
+              <a:rPr lang="en-US" sz="2200" dirty="0"/>
               <a:t>Pandas, </a:t>
             </a:r>
             <a:r>
-              <a:rPr lang="en-US" sz="2200">
+              <a:rPr lang="en-US" sz="2200" dirty="0">
                 <a:hlinkClick r:id="rId2"/>
               </a:rPr>
               <a:t>https://pandas.pydata.org/docs/</a:t>
             </a:r>
-            <a:endParaRPr lang="en-US" sz="2200"/>
+            <a:endParaRPr lang="en-US" sz="2200" dirty="0"/>
           </a:p>
           <a:p>
             <a:pPr marL="457200" indent="-457200">
               <a:buAutoNum type="arabicPeriod"/>
             </a:pPr>
             <a:r>
-              <a:rPr lang="en-US" sz="2200"/>
-              <a:t>Numpy, </a:t>
-            </a:r>
-            <a:r>
-              <a:rPr lang="en-US" sz="2200">
+              <a:rPr lang="en-US" sz="2200" dirty="0" err="1"/>
+              <a:t>Numpy</a:t>
+            </a:r>
+            <a:r>
+              <a:rPr lang="en-US" sz="2200" dirty="0"/>
+              <a:t>, </a:t>
+            </a:r>
+            <a:r>
+              <a:rPr lang="en-US" sz="2200" dirty="0">
                 <a:hlinkClick r:id="rId3"/>
               </a:rPr>
               <a:t>https://numpy.org/doc/</a:t>
             </a:r>
             <a:r>
-              <a:rPr lang="en-US" sz="2200"/>
+              <a:rPr lang="en-US" sz="2200" dirty="0"/>
               <a:t> </a:t>
             </a:r>
           </a:p>
@@ -11425,15 +11437,23 @@
             <a:pPr marL="0" indent="0">
               <a:buNone/>
             </a:pPr>
-            <a:endParaRPr lang="en-US" sz="2200"/>
+            <a:endParaRPr lang="en-US" sz="2200" dirty="0"/>
           </a:p>
           <a:p>
             <a:pPr marL="0" indent="0">
               <a:buNone/>
             </a:pPr>
             <a:r>
-              <a:rPr lang="en-US" sz="2200"/>
-              <a:t>Pustaka visualisasi data</a:t>
+              <a:rPr lang="en-US" sz="2200" dirty="0"/>
+              <a:t>Pustaka </a:t>
+            </a:r>
+            <a:r>
+              <a:rPr lang="en-US" sz="2200" dirty="0" err="1"/>
+              <a:t>visualisasi</a:t>
+            </a:r>
+            <a:r>
+              <a:rPr lang="en-US" sz="2200" dirty="0"/>
+              <a:t> data</a:t>
             </a:r>
           </a:p>
           <a:p>
@@ -11441,7 +11461,7 @@
               <a:buAutoNum type="arabicPeriod"/>
             </a:pPr>
             <a:r>
-              <a:rPr lang="en-US" sz="2200"/>
+              <a:rPr lang="en-US" sz="2200" dirty="0"/>
               <a:t>Matplotlib, https://matplotlib.org/stable/gallery/index.html</a:t>
             </a:r>
           </a:p>
@@ -11450,63 +11470,88 @@
               <a:buAutoNum type="arabicPeriod"/>
             </a:pPr>
             <a:r>
-              <a:rPr lang="en-US" sz="2200"/>
-              <a:t>Plotly, </a:t>
-            </a:r>
-            <a:r>
-              <a:rPr lang="en-US" sz="2200">
+              <a:rPr lang="en-US" sz="2200" dirty="0" err="1"/>
+              <a:t>Plotly</a:t>
+            </a:r>
+            <a:r>
+              <a:rPr lang="en-US" sz="2200" dirty="0"/>
+              <a:t>, </a:t>
+            </a:r>
+            <a:r>
+              <a:rPr lang="en-US" sz="2200" dirty="0">
                 <a:hlinkClick r:id="rId4"/>
               </a:rPr>
               <a:t>https://plotly.com/python/</a:t>
             </a:r>
-            <a:endParaRPr lang="en-US" sz="2200"/>
+            <a:endParaRPr lang="en-US" sz="2200" dirty="0"/>
           </a:p>
           <a:p>
             <a:pPr marL="514350" indent="-514350">
               <a:buAutoNum type="arabicPeriod"/>
             </a:pPr>
             <a:r>
-              <a:rPr lang="en-US" sz="2200"/>
+              <a:rPr lang="en-US" sz="2200" dirty="0"/>
               <a:t>Seaborn, </a:t>
             </a:r>
             <a:r>
-              <a:rPr lang="en-US" sz="2200">
+              <a:rPr lang="en-US" sz="2200" dirty="0">
                 <a:hlinkClick r:id="rId5"/>
               </a:rPr>
               <a:t>https://seaborn.pydata.org/examples/index.html</a:t>
             </a:r>
-            <a:endParaRPr lang="en-US" sz="2200"/>
+            <a:endParaRPr lang="en-US" sz="2200" dirty="0"/>
           </a:p>
           <a:p>
             <a:pPr marL="0" indent="0">
               <a:buNone/>
             </a:pPr>
-            <a:endParaRPr lang="en-US" sz="2200"/>
+            <a:endParaRPr lang="en-US" sz="2200" dirty="0"/>
           </a:p>
           <a:p>
             <a:pPr marL="0" indent="0">
               <a:buNone/>
             </a:pPr>
             <a:r>
-              <a:rPr lang="en-US" sz="2200"/>
-              <a:t>Kerangka kerja visualisasi</a:t>
-            </a:r>
+              <a:rPr lang="en-US" sz="2200" dirty="0" err="1"/>
+              <a:t>Kerangka</a:t>
+            </a:r>
+            <a:r>
+              <a:rPr lang="en-US" sz="2200" dirty="0"/>
+              <a:t> </a:t>
+            </a:r>
+            <a:r>
+              <a:rPr lang="en-US" sz="2200" dirty="0" err="1"/>
+              <a:t>kerja</a:t>
+            </a:r>
+            <a:r>
+              <a:rPr lang="en-US" sz="2200" dirty="0"/>
+              <a:t> </a:t>
+            </a:r>
+            <a:r>
+              <a:rPr lang="en-US" sz="2200" dirty="0" err="1"/>
+              <a:t>visualisasi</a:t>
+            </a:r>
+            <a:endParaRPr lang="en-US" sz="2200" dirty="0"/>
           </a:p>
           <a:p>
             <a:pPr marL="514350" indent="-514350">
               <a:buAutoNum type="arabicPeriod"/>
             </a:pPr>
             <a:r>
-              <a:rPr lang="en-US" sz="2200"/>
-              <a:t>Streamlit, </a:t>
-            </a:r>
-            <a:r>
-              <a:rPr lang="en-US" sz="2200">
+              <a:rPr lang="en-US" sz="2200" dirty="0" err="1"/>
+              <a:t>Streamlit</a:t>
+            </a:r>
+            <a:r>
+              <a:rPr lang="en-US" sz="2200" dirty="0"/>
+              <a:t>, </a:t>
+            </a:r>
+            <a:r>
+              <a:rPr lang="en-US" sz="2200" dirty="0">
                 <a:hlinkClick r:id="rId6"/>
               </a:rPr>
               <a:t>https://docs.streamlit.io/</a:t>
             </a:r>
-            <a:endParaRPr lang="en-US" sz="2200"/>
+            <a:endParaRPr lang="en-US" sz="2200" dirty="0"/>
           </a:p>
         </p:txBody>
       </p:sp>

--- a/dataset/PPT Pelatihan Visualisasi Data.pptx
+++ b/dataset/PPT Pelatihan Visualisasi Data.pptx
@@ -285,7 +285,7 @@
           <a:p>
             <a:fld id="{BE92F6E7-F729-4374-97AF-6621FCBEC648}" type="datetimeFigureOut">
               <a:rPr lang="en-ID" smtClean="0"/>
-              <a:t>22/04/2024</a:t>
+              <a:t>02/08/2024</a:t>
             </a:fld>
             <a:endParaRPr lang="en-ID"/>
           </a:p>
@@ -485,7 +485,7 @@
           <a:p>
             <a:fld id="{BE92F6E7-F729-4374-97AF-6621FCBEC648}" type="datetimeFigureOut">
               <a:rPr lang="en-ID" smtClean="0"/>
-              <a:t>22/04/2024</a:t>
+              <a:t>02/08/2024</a:t>
             </a:fld>
             <a:endParaRPr lang="en-ID"/>
           </a:p>
@@ -695,7 +695,7 @@
           <a:p>
             <a:fld id="{BE92F6E7-F729-4374-97AF-6621FCBEC648}" type="datetimeFigureOut">
               <a:rPr lang="en-ID" smtClean="0"/>
-              <a:t>22/04/2024</a:t>
+              <a:t>02/08/2024</a:t>
             </a:fld>
             <a:endParaRPr lang="en-ID"/>
           </a:p>
@@ -895,7 +895,7 @@
           <a:p>
             <a:fld id="{BE92F6E7-F729-4374-97AF-6621FCBEC648}" type="datetimeFigureOut">
               <a:rPr lang="en-ID" smtClean="0"/>
-              <a:t>22/04/2024</a:t>
+              <a:t>02/08/2024</a:t>
             </a:fld>
             <a:endParaRPr lang="en-ID"/>
           </a:p>
@@ -1171,7 +1171,7 @@
           <a:p>
             <a:fld id="{BE92F6E7-F729-4374-97AF-6621FCBEC648}" type="datetimeFigureOut">
               <a:rPr lang="en-ID" smtClean="0"/>
-              <a:t>22/04/2024</a:t>
+              <a:t>02/08/2024</a:t>
             </a:fld>
             <a:endParaRPr lang="en-ID"/>
           </a:p>
@@ -1439,7 +1439,7 @@
           <a:p>
             <a:fld id="{BE92F6E7-F729-4374-97AF-6621FCBEC648}" type="datetimeFigureOut">
               <a:rPr lang="en-ID" smtClean="0"/>
-              <a:t>22/04/2024</a:t>
+              <a:t>02/08/2024</a:t>
             </a:fld>
             <a:endParaRPr lang="en-ID"/>
           </a:p>
@@ -1854,7 +1854,7 @@
           <a:p>
             <a:fld id="{BE92F6E7-F729-4374-97AF-6621FCBEC648}" type="datetimeFigureOut">
               <a:rPr lang="en-ID" smtClean="0"/>
-              <a:t>22/04/2024</a:t>
+              <a:t>02/08/2024</a:t>
             </a:fld>
             <a:endParaRPr lang="en-ID"/>
           </a:p>
@@ -1996,7 +1996,7 @@
           <a:p>
             <a:fld id="{BE92F6E7-F729-4374-97AF-6621FCBEC648}" type="datetimeFigureOut">
               <a:rPr lang="en-ID" smtClean="0"/>
-              <a:t>22/04/2024</a:t>
+              <a:t>02/08/2024</a:t>
             </a:fld>
             <a:endParaRPr lang="en-ID"/>
           </a:p>
@@ -2109,7 +2109,7 @@
           <a:p>
             <a:fld id="{BE92F6E7-F729-4374-97AF-6621FCBEC648}" type="datetimeFigureOut">
               <a:rPr lang="en-ID" smtClean="0"/>
-              <a:t>22/04/2024</a:t>
+              <a:t>02/08/2024</a:t>
             </a:fld>
             <a:endParaRPr lang="en-ID"/>
           </a:p>
@@ -2422,7 +2422,7 @@
           <a:p>
             <a:fld id="{BE92F6E7-F729-4374-97AF-6621FCBEC648}" type="datetimeFigureOut">
               <a:rPr lang="en-ID" smtClean="0"/>
-              <a:t>22/04/2024</a:t>
+              <a:t>02/08/2024</a:t>
             </a:fld>
             <a:endParaRPr lang="en-ID"/>
           </a:p>
@@ -2711,7 +2711,7 @@
           <a:p>
             <a:fld id="{BE92F6E7-F729-4374-97AF-6621FCBEC648}" type="datetimeFigureOut">
               <a:rPr lang="en-ID" smtClean="0"/>
-              <a:t>22/04/2024</a:t>
+              <a:t>02/08/2024</a:t>
             </a:fld>
             <a:endParaRPr lang="en-ID"/>
           </a:p>
@@ -2954,7 +2954,7 @@
           <a:p>
             <a:fld id="{BE92F6E7-F729-4374-97AF-6621FCBEC648}" type="datetimeFigureOut">
               <a:rPr lang="en-ID" smtClean="0"/>
-              <a:t>22/04/2024</a:t>
+              <a:t>02/08/2024</a:t>
             </a:fld>
             <a:endParaRPr lang="en-ID"/>
           </a:p>
@@ -3495,42 +3495,6 @@
           </a:p>
         </p:txBody>
       </p:sp>
-      <p:pic>
-        <p:nvPicPr>
-          <p:cNvPr id="8" name="Picture 7">
-            <a:extLst>
-              <a:ext uri="{FF2B5EF4-FFF2-40B4-BE49-F238E27FC236}">
-                <a16:creationId xmlns:a16="http://schemas.microsoft.com/office/drawing/2014/main" id="{03E0284F-2AF9-E7D7-3672-1CE9A431D0AA}"/>
-              </a:ext>
-            </a:extLst>
-          </p:cNvPr>
-          <p:cNvPicPr>
-            <a:picLocks noChangeAspect="1"/>
-          </p:cNvPicPr>
-          <p:nvPr/>
-        </p:nvPicPr>
-        <p:blipFill>
-          <a:blip r:embed="rId2">
-            <a:extLst>
-              <a:ext uri="{28A0092B-C50C-407E-A947-70E740481C1C}">
-                <a14:useLocalDpi xmlns:a14="http://schemas.microsoft.com/office/drawing/2010/main" val="0"/>
-              </a:ext>
-            </a:extLst>
-          </a:blip>
-          <a:stretch>
-            <a:fillRect/>
-          </a:stretch>
-        </p:blipFill>
-        <p:spPr>
-          <a:xfrm>
-            <a:off x="10436179" y="208293"/>
-            <a:ext cx="1519997" cy="1080000"/>
-          </a:xfrm>
-          <a:prstGeom prst="rect">
-            <a:avLst/>
-          </a:prstGeom>
-        </p:spPr>
-      </p:pic>
       <p:sp>
         <p:nvSpPr>
           <p:cNvPr id="9" name="Rectangle 8">
@@ -3742,42 +3706,6 @@
           <a:xfrm>
             <a:off x="729802" y="1455313"/>
             <a:ext cx="10710929" cy="4827407"/>
-          </a:xfrm>
-          <a:prstGeom prst="rect">
-            <a:avLst/>
-          </a:prstGeom>
-        </p:spPr>
-      </p:pic>
-      <p:pic>
-        <p:nvPicPr>
-          <p:cNvPr id="9" name="Picture 8">
-            <a:extLst>
-              <a:ext uri="{FF2B5EF4-FFF2-40B4-BE49-F238E27FC236}">
-                <a16:creationId xmlns:a16="http://schemas.microsoft.com/office/drawing/2014/main" id="{41072E22-BA13-0A10-ED7B-C5BEC2FDA574}"/>
-              </a:ext>
-            </a:extLst>
-          </p:cNvPr>
-          <p:cNvPicPr>
-            <a:picLocks noChangeAspect="1"/>
-          </p:cNvPicPr>
-          <p:nvPr/>
-        </p:nvPicPr>
-        <p:blipFill>
-          <a:blip r:embed="rId3">
-            <a:extLst>
-              <a:ext uri="{28A0092B-C50C-407E-A947-70E740481C1C}">
-                <a14:useLocalDpi xmlns:a14="http://schemas.microsoft.com/office/drawing/2010/main" val="0"/>
-              </a:ext>
-            </a:extLst>
-          </a:blip>
-          <a:stretch>
-            <a:fillRect/>
-          </a:stretch>
-        </p:blipFill>
-        <p:spPr>
-          <a:xfrm>
-            <a:off x="10436179" y="208293"/>
-            <a:ext cx="1519997" cy="1080000"/>
           </a:xfrm>
           <a:prstGeom prst="rect">
             <a:avLst/>
@@ -3911,42 +3839,6 @@
           </a:p>
         </p:txBody>
       </p:sp>
-      <p:pic>
-        <p:nvPicPr>
-          <p:cNvPr id="8" name="Picture 7">
-            <a:extLst>
-              <a:ext uri="{FF2B5EF4-FFF2-40B4-BE49-F238E27FC236}">
-                <a16:creationId xmlns:a16="http://schemas.microsoft.com/office/drawing/2014/main" id="{DD715F6C-3855-149B-A5EE-F1A6F4743767}"/>
-              </a:ext>
-            </a:extLst>
-          </p:cNvPr>
-          <p:cNvPicPr>
-            <a:picLocks noChangeAspect="1"/>
-          </p:cNvPicPr>
-          <p:nvPr/>
-        </p:nvPicPr>
-        <p:blipFill>
-          <a:blip r:embed="rId2">
-            <a:extLst>
-              <a:ext uri="{28A0092B-C50C-407E-A947-70E740481C1C}">
-                <a14:useLocalDpi xmlns:a14="http://schemas.microsoft.com/office/drawing/2010/main" val="0"/>
-              </a:ext>
-            </a:extLst>
-          </a:blip>
-          <a:stretch>
-            <a:fillRect/>
-          </a:stretch>
-        </p:blipFill>
-        <p:spPr>
-          <a:xfrm>
-            <a:off x="10436179" y="208293"/>
-            <a:ext cx="1519997" cy="1080000"/>
-          </a:xfrm>
-          <a:prstGeom prst="rect">
-            <a:avLst/>
-          </a:prstGeom>
-        </p:spPr>
-      </p:pic>
       <p:sp>
         <p:nvSpPr>
           <p:cNvPr id="3" name="TextBox 2">
@@ -4497,42 +4389,6 @@
           </a:p>
         </p:txBody>
       </p:sp>
-      <p:pic>
-        <p:nvPicPr>
-          <p:cNvPr id="8" name="Picture 7">
-            <a:extLst>
-              <a:ext uri="{FF2B5EF4-FFF2-40B4-BE49-F238E27FC236}">
-                <a16:creationId xmlns:a16="http://schemas.microsoft.com/office/drawing/2014/main" id="{DD715F6C-3855-149B-A5EE-F1A6F4743767}"/>
-              </a:ext>
-            </a:extLst>
-          </p:cNvPr>
-          <p:cNvPicPr>
-            <a:picLocks noChangeAspect="1"/>
-          </p:cNvPicPr>
-          <p:nvPr/>
-        </p:nvPicPr>
-        <p:blipFill>
-          <a:blip r:embed="rId2">
-            <a:extLst>
-              <a:ext uri="{28A0092B-C50C-407E-A947-70E740481C1C}">
-                <a14:useLocalDpi xmlns:a14="http://schemas.microsoft.com/office/drawing/2010/main" val="0"/>
-              </a:ext>
-            </a:extLst>
-          </a:blip>
-          <a:stretch>
-            <a:fillRect/>
-          </a:stretch>
-        </p:blipFill>
-        <p:spPr>
-          <a:xfrm>
-            <a:off x="10436179" y="208293"/>
-            <a:ext cx="1519997" cy="1080000"/>
-          </a:xfrm>
-          <a:prstGeom prst="rect">
-            <a:avLst/>
-          </a:prstGeom>
-        </p:spPr>
-      </p:pic>
       <p:sp>
         <p:nvSpPr>
           <p:cNvPr id="3" name="TextBox 2">
@@ -5677,42 +5533,6 @@
       </p:sp>
       <p:pic>
         <p:nvPicPr>
-          <p:cNvPr id="8" name="Picture 7">
-            <a:extLst>
-              <a:ext uri="{FF2B5EF4-FFF2-40B4-BE49-F238E27FC236}">
-                <a16:creationId xmlns:a16="http://schemas.microsoft.com/office/drawing/2014/main" id="{DD715F6C-3855-149B-A5EE-F1A6F4743767}"/>
-              </a:ext>
-            </a:extLst>
-          </p:cNvPr>
-          <p:cNvPicPr>
-            <a:picLocks noChangeAspect="1"/>
-          </p:cNvPicPr>
-          <p:nvPr/>
-        </p:nvPicPr>
-        <p:blipFill>
-          <a:blip r:embed="rId2">
-            <a:extLst>
-              <a:ext uri="{28A0092B-C50C-407E-A947-70E740481C1C}">
-                <a14:useLocalDpi xmlns:a14="http://schemas.microsoft.com/office/drawing/2010/main" val="0"/>
-              </a:ext>
-            </a:extLst>
-          </a:blip>
-          <a:stretch>
-            <a:fillRect/>
-          </a:stretch>
-        </p:blipFill>
-        <p:spPr>
-          <a:xfrm>
-            <a:off x="10436179" y="208293"/>
-            <a:ext cx="1519997" cy="1080000"/>
-          </a:xfrm>
-          <a:prstGeom prst="rect">
-            <a:avLst/>
-          </a:prstGeom>
-        </p:spPr>
-      </p:pic>
-      <p:pic>
-        <p:nvPicPr>
           <p:cNvPr id="6" name="Picture 5">
             <a:extLst>
               <a:ext uri="{FF2B5EF4-FFF2-40B4-BE49-F238E27FC236}">
@@ -5726,7 +5546,7 @@
           <p:nvPr/>
         </p:nvPicPr>
         <p:blipFill rotWithShape="1">
-          <a:blip r:embed="rId3"/>
+          <a:blip r:embed="rId2"/>
           <a:srcRect l="4964" t="12376" r="24050" b="35580"/>
           <a:stretch/>
         </p:blipFill>
@@ -5929,42 +5749,6 @@
       </p:sp>
       <p:pic>
         <p:nvPicPr>
-          <p:cNvPr id="8" name="Picture 7">
-            <a:extLst>
-              <a:ext uri="{FF2B5EF4-FFF2-40B4-BE49-F238E27FC236}">
-                <a16:creationId xmlns:a16="http://schemas.microsoft.com/office/drawing/2014/main" id="{DD715F6C-3855-149B-A5EE-F1A6F4743767}"/>
-              </a:ext>
-            </a:extLst>
-          </p:cNvPr>
-          <p:cNvPicPr>
-            <a:picLocks noChangeAspect="1"/>
-          </p:cNvPicPr>
-          <p:nvPr/>
-        </p:nvPicPr>
-        <p:blipFill>
-          <a:blip r:embed="rId2">
-            <a:extLst>
-              <a:ext uri="{28A0092B-C50C-407E-A947-70E740481C1C}">
-                <a14:useLocalDpi xmlns:a14="http://schemas.microsoft.com/office/drawing/2010/main" val="0"/>
-              </a:ext>
-            </a:extLst>
-          </a:blip>
-          <a:stretch>
-            <a:fillRect/>
-          </a:stretch>
-        </p:blipFill>
-        <p:spPr>
-          <a:xfrm>
-            <a:off x="10436179" y="208293"/>
-            <a:ext cx="1519997" cy="1080000"/>
-          </a:xfrm>
-          <a:prstGeom prst="rect">
-            <a:avLst/>
-          </a:prstGeom>
-        </p:spPr>
-      </p:pic>
-      <p:pic>
-        <p:nvPicPr>
           <p:cNvPr id="3" name="Picture 2">
             <a:extLst>
               <a:ext uri="{FF2B5EF4-FFF2-40B4-BE49-F238E27FC236}">
@@ -5978,7 +5762,7 @@
           <p:nvPr/>
         </p:nvPicPr>
         <p:blipFill rotWithShape="1">
-          <a:blip r:embed="rId3"/>
+          <a:blip r:embed="rId2"/>
           <a:srcRect l="4965" t="12376" r="28063" b="35956"/>
           <a:stretch/>
         </p:blipFill>
@@ -6180,42 +5964,6 @@
       </p:sp>
       <p:pic>
         <p:nvPicPr>
-          <p:cNvPr id="8" name="Picture 7">
-            <a:extLst>
-              <a:ext uri="{FF2B5EF4-FFF2-40B4-BE49-F238E27FC236}">
-                <a16:creationId xmlns:a16="http://schemas.microsoft.com/office/drawing/2014/main" id="{DD715F6C-3855-149B-A5EE-F1A6F4743767}"/>
-              </a:ext>
-            </a:extLst>
-          </p:cNvPr>
-          <p:cNvPicPr>
-            <a:picLocks noChangeAspect="1"/>
-          </p:cNvPicPr>
-          <p:nvPr/>
-        </p:nvPicPr>
-        <p:blipFill>
-          <a:blip r:embed="rId2">
-            <a:extLst>
-              <a:ext uri="{28A0092B-C50C-407E-A947-70E740481C1C}">
-                <a14:useLocalDpi xmlns:a14="http://schemas.microsoft.com/office/drawing/2010/main" val="0"/>
-              </a:ext>
-            </a:extLst>
-          </a:blip>
-          <a:stretch>
-            <a:fillRect/>
-          </a:stretch>
-        </p:blipFill>
-        <p:spPr>
-          <a:xfrm>
-            <a:off x="10436179" y="208293"/>
-            <a:ext cx="1519997" cy="1080000"/>
-          </a:xfrm>
-          <a:prstGeom prst="rect">
-            <a:avLst/>
-          </a:prstGeom>
-        </p:spPr>
-      </p:pic>
-      <p:pic>
-        <p:nvPicPr>
           <p:cNvPr id="2" name="Picture 1">
             <a:extLst>
               <a:ext uri="{FF2B5EF4-FFF2-40B4-BE49-F238E27FC236}">
@@ -6229,7 +5977,7 @@
           <p:nvPr/>
         </p:nvPicPr>
         <p:blipFill rotWithShape="1">
-          <a:blip r:embed="rId3"/>
+          <a:blip r:embed="rId2"/>
           <a:srcRect l="4859" t="66675" r="4613" b="11906"/>
           <a:stretch/>
         </p:blipFill>
@@ -6258,7 +6006,7 @@
           <p:nvPr/>
         </p:nvPicPr>
         <p:blipFill rotWithShape="1">
-          <a:blip r:embed="rId4"/>
+          <a:blip r:embed="rId3"/>
           <a:srcRect l="8978" t="34922" r="2712" b="16980"/>
           <a:stretch/>
         </p:blipFill>
@@ -6411,42 +6159,6 @@
           </a:p>
         </p:txBody>
       </p:sp>
-      <p:pic>
-        <p:nvPicPr>
-          <p:cNvPr id="8" name="Picture 7">
-            <a:extLst>
-              <a:ext uri="{FF2B5EF4-FFF2-40B4-BE49-F238E27FC236}">
-                <a16:creationId xmlns:a16="http://schemas.microsoft.com/office/drawing/2014/main" id="{EC1065A6-C9BF-B03C-B8B4-1B4710B616E9}"/>
-              </a:ext>
-            </a:extLst>
-          </p:cNvPr>
-          <p:cNvPicPr>
-            <a:picLocks noChangeAspect="1"/>
-          </p:cNvPicPr>
-          <p:nvPr/>
-        </p:nvPicPr>
-        <p:blipFill>
-          <a:blip r:embed="rId3">
-            <a:extLst>
-              <a:ext uri="{28A0092B-C50C-407E-A947-70E740481C1C}">
-                <a14:useLocalDpi xmlns:a14="http://schemas.microsoft.com/office/drawing/2010/main" val="0"/>
-              </a:ext>
-            </a:extLst>
-          </a:blip>
-          <a:stretch>
-            <a:fillRect/>
-          </a:stretch>
-        </p:blipFill>
-        <p:spPr>
-          <a:xfrm>
-            <a:off x="10436179" y="208293"/>
-            <a:ext cx="1519997" cy="1080000"/>
-          </a:xfrm>
-          <a:prstGeom prst="rect">
-            <a:avLst/>
-          </a:prstGeom>
-        </p:spPr>
-      </p:pic>
     </p:spTree>
     <p:extLst>
       <p:ext uri="{BB962C8B-B14F-4D97-AF65-F5344CB8AC3E}">
@@ -6942,42 +6654,6 @@
           </a:p>
         </p:txBody>
       </p:sp>
-      <p:pic>
-        <p:nvPicPr>
-          <p:cNvPr id="2" name="Picture 1">
-            <a:extLst>
-              <a:ext uri="{FF2B5EF4-FFF2-40B4-BE49-F238E27FC236}">
-                <a16:creationId xmlns:a16="http://schemas.microsoft.com/office/drawing/2014/main" id="{D0C727A8-71D4-E556-799F-57171B5DC77C}"/>
-              </a:ext>
-            </a:extLst>
-          </p:cNvPr>
-          <p:cNvPicPr>
-            <a:picLocks noChangeAspect="1"/>
-          </p:cNvPicPr>
-          <p:nvPr/>
-        </p:nvPicPr>
-        <p:blipFill>
-          <a:blip r:embed="rId2">
-            <a:extLst>
-              <a:ext uri="{28A0092B-C50C-407E-A947-70E740481C1C}">
-                <a14:useLocalDpi xmlns:a14="http://schemas.microsoft.com/office/drawing/2010/main" val="0"/>
-              </a:ext>
-            </a:extLst>
-          </a:blip>
-          <a:stretch>
-            <a:fillRect/>
-          </a:stretch>
-        </p:blipFill>
-        <p:spPr>
-          <a:xfrm>
-            <a:off x="10436179" y="208293"/>
-            <a:ext cx="1519997" cy="1080000"/>
-          </a:xfrm>
-          <a:prstGeom prst="rect">
-            <a:avLst/>
-          </a:prstGeom>
-        </p:spPr>
-      </p:pic>
     </p:spTree>
     <p:extLst>
       <p:ext uri="{BB962C8B-B14F-4D97-AF65-F5344CB8AC3E}">
@@ -7134,42 +6810,6 @@
           </a:p>
         </p:txBody>
       </p:sp>
-      <p:pic>
-        <p:nvPicPr>
-          <p:cNvPr id="3" name="Picture 2">
-            <a:extLst>
-              <a:ext uri="{FF2B5EF4-FFF2-40B4-BE49-F238E27FC236}">
-                <a16:creationId xmlns:a16="http://schemas.microsoft.com/office/drawing/2014/main" id="{945EB704-01C6-7402-2EE3-A868DFCF2284}"/>
-              </a:ext>
-            </a:extLst>
-          </p:cNvPr>
-          <p:cNvPicPr>
-            <a:picLocks noChangeAspect="1"/>
-          </p:cNvPicPr>
-          <p:nvPr/>
-        </p:nvPicPr>
-        <p:blipFill>
-          <a:blip r:embed="rId3">
-            <a:extLst>
-              <a:ext uri="{28A0092B-C50C-407E-A947-70E740481C1C}">
-                <a14:useLocalDpi xmlns:a14="http://schemas.microsoft.com/office/drawing/2010/main" val="0"/>
-              </a:ext>
-            </a:extLst>
-          </a:blip>
-          <a:stretch>
-            <a:fillRect/>
-          </a:stretch>
-        </p:blipFill>
-        <p:spPr>
-          <a:xfrm>
-            <a:off x="10436179" y="208293"/>
-            <a:ext cx="1519997" cy="1080000"/>
-          </a:xfrm>
-          <a:prstGeom prst="rect">
-            <a:avLst/>
-          </a:prstGeom>
-        </p:spPr>
-      </p:pic>
     </p:spTree>
     <p:extLst>
       <p:ext uri="{BB962C8B-B14F-4D97-AF65-F5344CB8AC3E}">
@@ -7326,42 +6966,6 @@
           </a:p>
         </p:txBody>
       </p:sp>
-      <p:pic>
-        <p:nvPicPr>
-          <p:cNvPr id="3" name="Picture 2">
-            <a:extLst>
-              <a:ext uri="{FF2B5EF4-FFF2-40B4-BE49-F238E27FC236}">
-                <a16:creationId xmlns:a16="http://schemas.microsoft.com/office/drawing/2014/main" id="{245DC107-6CE6-57FA-F591-2566001BB313}"/>
-              </a:ext>
-            </a:extLst>
-          </p:cNvPr>
-          <p:cNvPicPr>
-            <a:picLocks noChangeAspect="1"/>
-          </p:cNvPicPr>
-          <p:nvPr/>
-        </p:nvPicPr>
-        <p:blipFill>
-          <a:blip r:embed="rId3">
-            <a:extLst>
-              <a:ext uri="{28A0092B-C50C-407E-A947-70E740481C1C}">
-                <a14:useLocalDpi xmlns:a14="http://schemas.microsoft.com/office/drawing/2010/main" val="0"/>
-              </a:ext>
-            </a:extLst>
-          </a:blip>
-          <a:stretch>
-            <a:fillRect/>
-          </a:stretch>
-        </p:blipFill>
-        <p:spPr>
-          <a:xfrm>
-            <a:off x="10436179" y="208293"/>
-            <a:ext cx="1519997" cy="1080000"/>
-          </a:xfrm>
-          <a:prstGeom prst="rect">
-            <a:avLst/>
-          </a:prstGeom>
-        </p:spPr>
-      </p:pic>
     </p:spTree>
     <p:extLst>
       <p:ext uri="{BB962C8B-B14F-4D97-AF65-F5344CB8AC3E}">
@@ -7518,42 +7122,6 @@
           </a:p>
         </p:txBody>
       </p:sp>
-      <p:pic>
-        <p:nvPicPr>
-          <p:cNvPr id="3" name="Picture 2">
-            <a:extLst>
-              <a:ext uri="{FF2B5EF4-FFF2-40B4-BE49-F238E27FC236}">
-                <a16:creationId xmlns:a16="http://schemas.microsoft.com/office/drawing/2014/main" id="{5B1DD981-D0B2-40FC-B11F-A51BC6513D60}"/>
-              </a:ext>
-            </a:extLst>
-          </p:cNvPr>
-          <p:cNvPicPr>
-            <a:picLocks noChangeAspect="1"/>
-          </p:cNvPicPr>
-          <p:nvPr/>
-        </p:nvPicPr>
-        <p:blipFill>
-          <a:blip r:embed="rId3">
-            <a:extLst>
-              <a:ext uri="{28A0092B-C50C-407E-A947-70E740481C1C}">
-                <a14:useLocalDpi xmlns:a14="http://schemas.microsoft.com/office/drawing/2010/main" val="0"/>
-              </a:ext>
-            </a:extLst>
-          </a:blip>
-          <a:stretch>
-            <a:fillRect/>
-          </a:stretch>
-        </p:blipFill>
-        <p:spPr>
-          <a:xfrm>
-            <a:off x="10436179" y="208293"/>
-            <a:ext cx="1519997" cy="1080000"/>
-          </a:xfrm>
-          <a:prstGeom prst="rect">
-            <a:avLst/>
-          </a:prstGeom>
-        </p:spPr>
-      </p:pic>
     </p:spTree>
     <p:extLst>
       <p:ext uri="{BB962C8B-B14F-4D97-AF65-F5344CB8AC3E}">
@@ -7710,42 +7278,6 @@
           </a:p>
         </p:txBody>
       </p:sp>
-      <p:pic>
-        <p:nvPicPr>
-          <p:cNvPr id="3" name="Picture 2">
-            <a:extLst>
-              <a:ext uri="{FF2B5EF4-FFF2-40B4-BE49-F238E27FC236}">
-                <a16:creationId xmlns:a16="http://schemas.microsoft.com/office/drawing/2014/main" id="{06A872D6-064D-6F7B-5AD8-B267FDAC2EBC}"/>
-              </a:ext>
-            </a:extLst>
-          </p:cNvPr>
-          <p:cNvPicPr>
-            <a:picLocks noChangeAspect="1"/>
-          </p:cNvPicPr>
-          <p:nvPr/>
-        </p:nvPicPr>
-        <p:blipFill>
-          <a:blip r:embed="rId3">
-            <a:extLst>
-              <a:ext uri="{28A0092B-C50C-407E-A947-70E740481C1C}">
-                <a14:useLocalDpi xmlns:a14="http://schemas.microsoft.com/office/drawing/2010/main" val="0"/>
-              </a:ext>
-            </a:extLst>
-          </a:blip>
-          <a:stretch>
-            <a:fillRect/>
-          </a:stretch>
-        </p:blipFill>
-        <p:spPr>
-          <a:xfrm>
-            <a:off x="10436179" y="208293"/>
-            <a:ext cx="1519997" cy="1080000"/>
-          </a:xfrm>
-          <a:prstGeom prst="rect">
-            <a:avLst/>
-          </a:prstGeom>
-        </p:spPr>
-      </p:pic>
     </p:spTree>
     <p:extLst>
       <p:ext uri="{BB962C8B-B14F-4D97-AF65-F5344CB8AC3E}">
@@ -7902,42 +7434,6 @@
           </a:p>
         </p:txBody>
       </p:sp>
-      <p:pic>
-        <p:nvPicPr>
-          <p:cNvPr id="3" name="Picture 2">
-            <a:extLst>
-              <a:ext uri="{FF2B5EF4-FFF2-40B4-BE49-F238E27FC236}">
-                <a16:creationId xmlns:a16="http://schemas.microsoft.com/office/drawing/2014/main" id="{62D27EC1-824E-1264-8775-EBFBF92A0026}"/>
-              </a:ext>
-            </a:extLst>
-          </p:cNvPr>
-          <p:cNvPicPr>
-            <a:picLocks noChangeAspect="1"/>
-          </p:cNvPicPr>
-          <p:nvPr/>
-        </p:nvPicPr>
-        <p:blipFill>
-          <a:blip r:embed="rId3">
-            <a:extLst>
-              <a:ext uri="{28A0092B-C50C-407E-A947-70E740481C1C}">
-                <a14:useLocalDpi xmlns:a14="http://schemas.microsoft.com/office/drawing/2010/main" val="0"/>
-              </a:ext>
-            </a:extLst>
-          </a:blip>
-          <a:stretch>
-            <a:fillRect/>
-          </a:stretch>
-        </p:blipFill>
-        <p:spPr>
-          <a:xfrm>
-            <a:off x="10436179" y="208293"/>
-            <a:ext cx="1519997" cy="1080000"/>
-          </a:xfrm>
-          <a:prstGeom prst="rect">
-            <a:avLst/>
-          </a:prstGeom>
-        </p:spPr>
-      </p:pic>
     </p:spTree>
     <p:extLst>
       <p:ext uri="{BB962C8B-B14F-4D97-AF65-F5344CB8AC3E}">
@@ -8142,42 +7638,6 @@
           </a:p>
         </p:txBody>
       </p:sp>
-      <p:pic>
-        <p:nvPicPr>
-          <p:cNvPr id="7" name="Picture 6">
-            <a:extLst>
-              <a:ext uri="{FF2B5EF4-FFF2-40B4-BE49-F238E27FC236}">
-                <a16:creationId xmlns:a16="http://schemas.microsoft.com/office/drawing/2014/main" id="{081BB2BF-F899-1DAA-3520-E31ADAAA54DE}"/>
-              </a:ext>
-            </a:extLst>
-          </p:cNvPr>
-          <p:cNvPicPr>
-            <a:picLocks noChangeAspect="1"/>
-          </p:cNvPicPr>
-          <p:nvPr/>
-        </p:nvPicPr>
-        <p:blipFill>
-          <a:blip r:embed="rId2">
-            <a:extLst>
-              <a:ext uri="{28A0092B-C50C-407E-A947-70E740481C1C}">
-                <a14:useLocalDpi xmlns:a14="http://schemas.microsoft.com/office/drawing/2010/main" val="0"/>
-              </a:ext>
-            </a:extLst>
-          </a:blip>
-          <a:stretch>
-            <a:fillRect/>
-          </a:stretch>
-        </p:blipFill>
-        <p:spPr>
-          <a:xfrm>
-            <a:off x="10436179" y="208293"/>
-            <a:ext cx="1519997" cy="1080000"/>
-          </a:xfrm>
-          <a:prstGeom prst="rect">
-            <a:avLst/>
-          </a:prstGeom>
-        </p:spPr>
-      </p:pic>
       <p:sp>
         <p:nvSpPr>
           <p:cNvPr id="2" name="TextBox 1">
@@ -8560,7 +8020,7 @@
           <p:nvPr/>
         </p:nvPicPr>
         <p:blipFill rotWithShape="1">
-          <a:blip r:embed="rId3">
+          <a:blip r:embed="rId2">
             <a:extLst>
               <a:ext uri="{28A0092B-C50C-407E-A947-70E740481C1C}">
                 <a14:useLocalDpi xmlns:a14="http://schemas.microsoft.com/office/drawing/2010/main" val="0"/>
@@ -9888,42 +9348,6 @@
           </a:p>
         </p:txBody>
       </p:sp>
-      <p:pic>
-        <p:nvPicPr>
-          <p:cNvPr id="8" name="Picture 7">
-            <a:extLst>
-              <a:ext uri="{FF2B5EF4-FFF2-40B4-BE49-F238E27FC236}">
-                <a16:creationId xmlns:a16="http://schemas.microsoft.com/office/drawing/2014/main" id="{DD715F6C-3855-149B-A5EE-F1A6F4743767}"/>
-              </a:ext>
-            </a:extLst>
-          </p:cNvPr>
-          <p:cNvPicPr>
-            <a:picLocks noChangeAspect="1"/>
-          </p:cNvPicPr>
-          <p:nvPr/>
-        </p:nvPicPr>
-        <p:blipFill>
-          <a:blip r:embed="rId2">
-            <a:extLst>
-              <a:ext uri="{28A0092B-C50C-407E-A947-70E740481C1C}">
-                <a14:useLocalDpi xmlns:a14="http://schemas.microsoft.com/office/drawing/2010/main" val="0"/>
-              </a:ext>
-            </a:extLst>
-          </a:blip>
-          <a:stretch>
-            <a:fillRect/>
-          </a:stretch>
-        </p:blipFill>
-        <p:spPr>
-          <a:xfrm>
-            <a:off x="10436179" y="208293"/>
-            <a:ext cx="1519997" cy="1080000"/>
-          </a:xfrm>
-          <a:prstGeom prst="rect">
-            <a:avLst/>
-          </a:prstGeom>
-        </p:spPr>
-      </p:pic>
     </p:spTree>
     <p:extLst>
       <p:ext uri="{BB962C8B-B14F-4D97-AF65-F5344CB8AC3E}">
@@ -10656,42 +10080,6 @@
           </a:p>
         </p:txBody>
       </p:sp>
-      <p:pic>
-        <p:nvPicPr>
-          <p:cNvPr id="21" name="Picture 20">
-            <a:extLst>
-              <a:ext uri="{FF2B5EF4-FFF2-40B4-BE49-F238E27FC236}">
-                <a16:creationId xmlns:a16="http://schemas.microsoft.com/office/drawing/2014/main" id="{E700B0FE-FEFB-8F97-351E-CAE80EFDF28E}"/>
-              </a:ext>
-            </a:extLst>
-          </p:cNvPr>
-          <p:cNvPicPr>
-            <a:picLocks noChangeAspect="1"/>
-          </p:cNvPicPr>
-          <p:nvPr/>
-        </p:nvPicPr>
-        <p:blipFill>
-          <a:blip r:embed="rId3">
-            <a:extLst>
-              <a:ext uri="{28A0092B-C50C-407E-A947-70E740481C1C}">
-                <a14:useLocalDpi xmlns:a14="http://schemas.microsoft.com/office/drawing/2010/main" val="0"/>
-              </a:ext>
-            </a:extLst>
-          </a:blip>
-          <a:stretch>
-            <a:fillRect/>
-          </a:stretch>
-        </p:blipFill>
-        <p:spPr>
-          <a:xfrm>
-            <a:off x="10436179" y="208293"/>
-            <a:ext cx="1519997" cy="1080000"/>
-          </a:xfrm>
-          <a:prstGeom prst="rect">
-            <a:avLst/>
-          </a:prstGeom>
-        </p:spPr>
-      </p:pic>
     </p:spTree>
     <p:extLst>
       <p:ext uri="{BB962C8B-B14F-4D97-AF65-F5344CB8AC3E}">
@@ -10940,42 +10328,6 @@
           </a:p>
         </p:txBody>
       </p:sp>
-      <p:pic>
-        <p:nvPicPr>
-          <p:cNvPr id="2" name="Picture 1">
-            <a:extLst>
-              <a:ext uri="{FF2B5EF4-FFF2-40B4-BE49-F238E27FC236}">
-                <a16:creationId xmlns:a16="http://schemas.microsoft.com/office/drawing/2014/main" id="{58E90273-7B94-FE18-18C6-01CB19FF8215}"/>
-              </a:ext>
-            </a:extLst>
-          </p:cNvPr>
-          <p:cNvPicPr>
-            <a:picLocks noChangeAspect="1"/>
-          </p:cNvPicPr>
-          <p:nvPr/>
-        </p:nvPicPr>
-        <p:blipFill>
-          <a:blip r:embed="rId2">
-            <a:extLst>
-              <a:ext uri="{28A0092B-C50C-407E-A947-70E740481C1C}">
-                <a14:useLocalDpi xmlns:a14="http://schemas.microsoft.com/office/drawing/2010/main" val="0"/>
-              </a:ext>
-            </a:extLst>
-          </a:blip>
-          <a:stretch>
-            <a:fillRect/>
-          </a:stretch>
-        </p:blipFill>
-        <p:spPr>
-          <a:xfrm>
-            <a:off x="10436179" y="208293"/>
-            <a:ext cx="1519997" cy="1080000"/>
-          </a:xfrm>
-          <a:prstGeom prst="rect">
-            <a:avLst/>
-          </a:prstGeom>
-        </p:spPr>
-      </p:pic>
     </p:spTree>
     <p:extLst>
       <p:ext uri="{BB962C8B-B14F-4D97-AF65-F5344CB8AC3E}">
@@ -11284,42 +10636,6 @@
           </a:p>
         </p:txBody>
       </p:sp>
-      <p:pic>
-        <p:nvPicPr>
-          <p:cNvPr id="11" name="Picture 10">
-            <a:extLst>
-              <a:ext uri="{FF2B5EF4-FFF2-40B4-BE49-F238E27FC236}">
-                <a16:creationId xmlns:a16="http://schemas.microsoft.com/office/drawing/2014/main" id="{1E6285B3-EE0D-3004-5AE3-3DC48649AFB7}"/>
-              </a:ext>
-            </a:extLst>
-          </p:cNvPr>
-          <p:cNvPicPr>
-            <a:picLocks noChangeAspect="1"/>
-          </p:cNvPicPr>
-          <p:nvPr/>
-        </p:nvPicPr>
-        <p:blipFill>
-          <a:blip r:embed="rId2">
-            <a:extLst>
-              <a:ext uri="{28A0092B-C50C-407E-A947-70E740481C1C}">
-                <a14:useLocalDpi xmlns:a14="http://schemas.microsoft.com/office/drawing/2010/main" val="0"/>
-              </a:ext>
-            </a:extLst>
-          </a:blip>
-          <a:stretch>
-            <a:fillRect/>
-          </a:stretch>
-        </p:blipFill>
-        <p:spPr>
-          <a:xfrm>
-            <a:off x="10436179" y="208293"/>
-            <a:ext cx="1519997" cy="1080000"/>
-          </a:xfrm>
-          <a:prstGeom prst="rect">
-            <a:avLst/>
-          </a:prstGeom>
-        </p:spPr>
-      </p:pic>
     </p:spTree>
     <p:extLst>
       <p:ext uri="{BB962C8B-B14F-4D97-AF65-F5344CB8AC3E}">
@@ -11652,42 +10968,6 @@
           </a:p>
         </p:txBody>
       </p:sp>
-      <p:pic>
-        <p:nvPicPr>
-          <p:cNvPr id="2" name="Picture 1">
-            <a:extLst>
-              <a:ext uri="{FF2B5EF4-FFF2-40B4-BE49-F238E27FC236}">
-                <a16:creationId xmlns:a16="http://schemas.microsoft.com/office/drawing/2014/main" id="{A856DB0F-3BD4-4E91-84E0-C7135A2F07D0}"/>
-              </a:ext>
-            </a:extLst>
-          </p:cNvPr>
-          <p:cNvPicPr>
-            <a:picLocks noChangeAspect="1"/>
-          </p:cNvPicPr>
-          <p:nvPr/>
-        </p:nvPicPr>
-        <p:blipFill>
-          <a:blip r:embed="rId7">
-            <a:extLst>
-              <a:ext uri="{28A0092B-C50C-407E-A947-70E740481C1C}">
-                <a14:useLocalDpi xmlns:a14="http://schemas.microsoft.com/office/drawing/2010/main" val="0"/>
-              </a:ext>
-            </a:extLst>
-          </a:blip>
-          <a:stretch>
-            <a:fillRect/>
-          </a:stretch>
-        </p:blipFill>
-        <p:spPr>
-          <a:xfrm>
-            <a:off x="10436179" y="208293"/>
-            <a:ext cx="1519997" cy="1080000"/>
-          </a:xfrm>
-          <a:prstGeom prst="rect">
-            <a:avLst/>
-          </a:prstGeom>
-        </p:spPr>
-      </p:pic>
     </p:spTree>
     <p:extLst>
       <p:ext uri="{BB962C8B-B14F-4D97-AF65-F5344CB8AC3E}">
@@ -11838,42 +11118,6 @@
           <a:xfrm>
             <a:off x="180303" y="1792590"/>
             <a:ext cx="11809928" cy="4443211"/>
-          </a:xfrm>
-          <a:prstGeom prst="rect">
-            <a:avLst/>
-          </a:prstGeom>
-        </p:spPr>
-      </p:pic>
-      <p:pic>
-        <p:nvPicPr>
-          <p:cNvPr id="2" name="Picture 1">
-            <a:extLst>
-              <a:ext uri="{FF2B5EF4-FFF2-40B4-BE49-F238E27FC236}">
-                <a16:creationId xmlns:a16="http://schemas.microsoft.com/office/drawing/2014/main" id="{91E6ADE1-F5D9-E9F1-3FCB-43D5901BDAC1}"/>
-              </a:ext>
-            </a:extLst>
-          </p:cNvPr>
-          <p:cNvPicPr>
-            <a:picLocks noChangeAspect="1"/>
-          </p:cNvPicPr>
-          <p:nvPr/>
-        </p:nvPicPr>
-        <p:blipFill>
-          <a:blip r:embed="rId3">
-            <a:extLst>
-              <a:ext uri="{28A0092B-C50C-407E-A947-70E740481C1C}">
-                <a14:useLocalDpi xmlns:a14="http://schemas.microsoft.com/office/drawing/2010/main" val="0"/>
-              </a:ext>
-            </a:extLst>
-          </a:blip>
-          <a:stretch>
-            <a:fillRect/>
-          </a:stretch>
-        </p:blipFill>
-        <p:spPr>
-          <a:xfrm>
-            <a:off x="10436179" y="208293"/>
-            <a:ext cx="1519997" cy="1080000"/>
           </a:xfrm>
           <a:prstGeom prst="rect">
             <a:avLst/>

--- a/dataset/PPT Pelatihan Visualisasi Data.pptx
+++ b/dataset/PPT Pelatihan Visualisasi Data.pptx
@@ -285,7 +285,7 @@
           <a:p>
             <a:fld id="{BE92F6E7-F729-4374-97AF-6621FCBEC648}" type="datetimeFigureOut">
               <a:rPr lang="en-ID" smtClean="0"/>
-              <a:t>02/08/2024</a:t>
+              <a:t>21/09/2024</a:t>
             </a:fld>
             <a:endParaRPr lang="en-ID"/>
           </a:p>
@@ -485,7 +485,7 @@
           <a:p>
             <a:fld id="{BE92F6E7-F729-4374-97AF-6621FCBEC648}" type="datetimeFigureOut">
               <a:rPr lang="en-ID" smtClean="0"/>
-              <a:t>02/08/2024</a:t>
+              <a:t>21/09/2024</a:t>
             </a:fld>
             <a:endParaRPr lang="en-ID"/>
           </a:p>
@@ -695,7 +695,7 @@
           <a:p>
             <a:fld id="{BE92F6E7-F729-4374-97AF-6621FCBEC648}" type="datetimeFigureOut">
               <a:rPr lang="en-ID" smtClean="0"/>
-              <a:t>02/08/2024</a:t>
+              <a:t>21/09/2024</a:t>
             </a:fld>
             <a:endParaRPr lang="en-ID"/>
           </a:p>
@@ -895,7 +895,7 @@
           <a:p>
             <a:fld id="{BE92F6E7-F729-4374-97AF-6621FCBEC648}" type="datetimeFigureOut">
               <a:rPr lang="en-ID" smtClean="0"/>
-              <a:t>02/08/2024</a:t>
+              <a:t>21/09/2024</a:t>
             </a:fld>
             <a:endParaRPr lang="en-ID"/>
           </a:p>
@@ -1171,7 +1171,7 @@
           <a:p>
             <a:fld id="{BE92F6E7-F729-4374-97AF-6621FCBEC648}" type="datetimeFigureOut">
               <a:rPr lang="en-ID" smtClean="0"/>
-              <a:t>02/08/2024</a:t>
+              <a:t>21/09/2024</a:t>
             </a:fld>
             <a:endParaRPr lang="en-ID"/>
           </a:p>
@@ -1439,7 +1439,7 @@
           <a:p>
             <a:fld id="{BE92F6E7-F729-4374-97AF-6621FCBEC648}" type="datetimeFigureOut">
               <a:rPr lang="en-ID" smtClean="0"/>
-              <a:t>02/08/2024</a:t>
+              <a:t>21/09/2024</a:t>
             </a:fld>
             <a:endParaRPr lang="en-ID"/>
           </a:p>
@@ -1854,7 +1854,7 @@
           <a:p>
             <a:fld id="{BE92F6E7-F729-4374-97AF-6621FCBEC648}" type="datetimeFigureOut">
               <a:rPr lang="en-ID" smtClean="0"/>
-              <a:t>02/08/2024</a:t>
+              <a:t>21/09/2024</a:t>
             </a:fld>
             <a:endParaRPr lang="en-ID"/>
           </a:p>
@@ -1996,7 +1996,7 @@
           <a:p>
             <a:fld id="{BE92F6E7-F729-4374-97AF-6621FCBEC648}" type="datetimeFigureOut">
               <a:rPr lang="en-ID" smtClean="0"/>
-              <a:t>02/08/2024</a:t>
+              <a:t>21/09/2024</a:t>
             </a:fld>
             <a:endParaRPr lang="en-ID"/>
           </a:p>
@@ -2109,7 +2109,7 @@
           <a:p>
             <a:fld id="{BE92F6E7-F729-4374-97AF-6621FCBEC648}" type="datetimeFigureOut">
               <a:rPr lang="en-ID" smtClean="0"/>
-              <a:t>02/08/2024</a:t>
+              <a:t>21/09/2024</a:t>
             </a:fld>
             <a:endParaRPr lang="en-ID"/>
           </a:p>
@@ -2422,7 +2422,7 @@
           <a:p>
             <a:fld id="{BE92F6E7-F729-4374-97AF-6621FCBEC648}" type="datetimeFigureOut">
               <a:rPr lang="en-ID" smtClean="0"/>
-              <a:t>02/08/2024</a:t>
+              <a:t>21/09/2024</a:t>
             </a:fld>
             <a:endParaRPr lang="en-ID"/>
           </a:p>
@@ -2711,7 +2711,7 @@
           <a:p>
             <a:fld id="{BE92F6E7-F729-4374-97AF-6621FCBEC648}" type="datetimeFigureOut">
               <a:rPr lang="en-ID" smtClean="0"/>
-              <a:t>02/08/2024</a:t>
+              <a:t>21/09/2024</a:t>
             </a:fld>
             <a:endParaRPr lang="en-ID"/>
           </a:p>
@@ -2954,7 +2954,7 @@
           <a:p>
             <a:fld id="{BE92F6E7-F729-4374-97AF-6621FCBEC648}" type="datetimeFigureOut">
               <a:rPr lang="en-ID" smtClean="0"/>
-              <a:t>02/08/2024</a:t>
+              <a:t>21/09/2024</a:t>
             </a:fld>
             <a:endParaRPr lang="en-ID"/>
           </a:p>
@@ -7720,7 +7720,7 @@
         <p:spPr>
           <a:xfrm>
             <a:off x="8988144" y="3765637"/>
-            <a:ext cx="3064237" cy="1200329"/>
+            <a:ext cx="3064237" cy="923330"/>
           </a:xfrm>
           <a:prstGeom prst="rect">
             <a:avLst/>
@@ -7785,22 +7785,13 @@
             </a:r>
             <a:r>
               <a:rPr lang="en-US" dirty="0"/>
-              <a:t> (Ai)</a:t>
-            </a:r>
-          </a:p>
-          <a:p>
-            <a:pPr marL="285750" indent="-285750">
-              <a:buFont typeface="Arial" panose="020B0604020202020204" pitchFamily="34" charset="0"/>
-              <a:buChar char="•"/>
-            </a:pPr>
-            <a:r>
-              <a:rPr lang="en-US" dirty="0" err="1"/>
-              <a:t>Teknologi</a:t>
-            </a:r>
-            <a:r>
-              <a:rPr lang="en-US" dirty="0"/>
-              <a:t> Big Data</a:t>
-            </a:r>
+              <a:t> (</a:t>
+            </a:r>
+            <a:r>
+              <a:rPr lang="en-US"/>
+              <a:t>Ai)</a:t>
+            </a:r>
+            <a:endParaRPr lang="en-US" dirty="0"/>
           </a:p>
         </p:txBody>
       </p:sp>
@@ -7928,7 +7919,7 @@
         <p:spPr>
           <a:xfrm>
             <a:off x="6025001" y="5047007"/>
-            <a:ext cx="2963143" cy="1477328"/>
+            <a:ext cx="2963143" cy="923330"/>
           </a:xfrm>
           <a:prstGeom prst="rect">
             <a:avLst/>
@@ -7961,8 +7952,8 @@
               <a:buChar char="•"/>
             </a:pPr>
             <a:r>
-              <a:rPr lang="en-US" dirty="0"/>
-              <a:t>Machine Learning</a:t>
+              <a:rPr lang="en-US"/>
+              <a:t>Statistik Deskriptif</a:t>
             </a:r>
           </a:p>
           <a:p>
@@ -7971,37 +7962,10 @@
               <a:buChar char="•"/>
             </a:pPr>
             <a:r>
-              <a:rPr lang="en-US" dirty="0"/>
-              <a:t>Deep Learning</a:t>
-            </a:r>
-          </a:p>
-          <a:p>
-            <a:pPr marL="285750" indent="-285750">
-              <a:buFont typeface="Arial" panose="020B0604020202020204" pitchFamily="34" charset="0"/>
-              <a:buChar char="•"/>
-            </a:pPr>
-            <a:r>
-              <a:rPr lang="en-US" dirty="0" err="1"/>
-              <a:t>Ensambel</a:t>
-            </a:r>
-            <a:r>
-              <a:rPr lang="en-US" dirty="0"/>
-              <a:t> Learning</a:t>
-            </a:r>
-          </a:p>
-          <a:p>
-            <a:pPr marL="285750" indent="-285750">
-              <a:buFont typeface="Arial" panose="020B0604020202020204" pitchFamily="34" charset="0"/>
-              <a:buChar char="•"/>
-            </a:pPr>
-            <a:r>
-              <a:rPr lang="en-US" dirty="0" err="1"/>
-              <a:t>Anomali</a:t>
-            </a:r>
-            <a:r>
-              <a:rPr lang="en-US" dirty="0"/>
-              <a:t> detections</a:t>
-            </a:r>
+              <a:rPr lang="en-US"/>
+              <a:t>Statistik Inferensial</a:t>
+            </a:r>
+            <a:endParaRPr lang="en-US" dirty="0"/>
           </a:p>
         </p:txBody>
       </p:sp>
